--- a/Питч.pptx
+++ b/Питч.pptx
@@ -5,11 +5,10 @@
     <p:sldMasterId id="2147483648" r:id="rId1"/>
   </p:sldMasterIdLst>
   <p:notesMasterIdLst>
-    <p:notesMasterId r:id="rId4"/>
+    <p:notesMasterId r:id="rId3"/>
   </p:notesMasterIdLst>
   <p:sldIdLst>
-    <p:sldId id="257" r:id="rId2"/>
-    <p:sldId id="258" r:id="rId3"/>
+    <p:sldId id="258" r:id="rId2"/>
   </p:sldIdLst>
   <p:sldSz cx="9144000" cy="6858000" type="screen4x3"/>
   <p:notesSz cx="6858000" cy="9144000"/>
@@ -490,110 +489,6 @@
         </p:nvSpPr>
         <p:spPr>
           <a:xfrm>
-            <a:off x="381000" y="685800"/>
-            <a:ext cx="6096000" cy="3429000"/>
-          </a:xfrm>
-          <a:custGeom>
-            <a:avLst/>
-            <a:gdLst/>
-            <a:ahLst/>
-            <a:cxnLst/>
-            <a:rect l="l" t="t" r="r" b="b"/>
-            <a:pathLst>
-              <a:path w="120000" h="120000" extrusionOk="0">
-                <a:moveTo>
-                  <a:pt x="0" y="0"/>
-                </a:moveTo>
-                <a:lnTo>
-                  <a:pt x="120000" y="0"/>
-                </a:lnTo>
-                <a:lnTo>
-                  <a:pt x="120000" y="120000"/>
-                </a:lnTo>
-                <a:lnTo>
-                  <a:pt x="0" y="120000"/>
-                </a:lnTo>
-                <a:close/>
-              </a:path>
-            </a:pathLst>
-          </a:custGeom>
-        </p:spPr>
-      </p:sp>
-      <p:sp>
-        <p:nvSpPr>
-          <p:cNvPr id="256" name="Google Shape;256;g7f5a855915_0_266:notes"/>
-          <p:cNvSpPr txBox="1">
-            <a:spLocks noGrp="1"/>
-          </p:cNvSpPr>
-          <p:nvPr>
-            <p:ph type="body" idx="1"/>
-          </p:nvPr>
-        </p:nvSpPr>
-        <p:spPr>
-          <a:xfrm>
-            <a:off x="685800" y="4343400"/>
-            <a:ext cx="5486400" cy="4114800"/>
-          </a:xfrm>
-          <a:prstGeom prst="rect">
-            <a:avLst/>
-          </a:prstGeom>
-        </p:spPr>
-        <p:txBody>
-          <a:bodyPr spcFirstLastPara="1" wrap="square" lIns="91425" tIns="91425" rIns="91425" bIns="91425" anchor="t" anchorCtr="0">
-            <a:noAutofit/>
-          </a:bodyPr>
-          <a:lstStyle/>
-          <a:p>
-            <a:pPr marL="0" lvl="0" indent="0" algn="l" rtl="0">
-              <a:spcBef>
-                <a:spcPts val="0"/>
-              </a:spcBef>
-              <a:spcAft>
-                <a:spcPts val="0"/>
-              </a:spcAft>
-              <a:buNone/>
-            </a:pPr>
-            <a:endParaRPr/>
-          </a:p>
-        </p:txBody>
-      </p:sp>
-    </p:spTree>
-  </p:cSld>
-  <p:clrMapOvr>
-    <a:masterClrMapping/>
-  </p:clrMapOvr>
-</p:notes>
-</file>
-
-<file path=ppt/notesSlides/notesSlide2.xml><?xml version="1.0" encoding="utf-8"?>
-<p:notes xmlns:a="http://schemas.openxmlformats.org/drawingml/2006/main" xmlns:r="http://schemas.openxmlformats.org/officeDocument/2006/relationships" xmlns:p="http://schemas.openxmlformats.org/presentationml/2006/main" showMasterSp="0" showMasterPhAnim="0">
-  <p:cSld>
-    <p:spTree>
-      <p:nvGrpSpPr>
-        <p:cNvPr id="1" name="Shape 254"/>
-        <p:cNvGrpSpPr/>
-        <p:nvPr/>
-      </p:nvGrpSpPr>
-      <p:grpSpPr>
-        <a:xfrm>
-          <a:off x="0" y="0"/>
-          <a:ext cx="0" cy="0"/>
-          <a:chOff x="0" y="0"/>
-          <a:chExt cx="0" cy="0"/>
-        </a:xfrm>
-      </p:grpSpPr>
-      <p:sp>
-        <p:nvSpPr>
-          <p:cNvPr id="255" name="Google Shape;255;g7f5a855915_0_266:notes"/>
-          <p:cNvSpPr>
-            <a:spLocks noGrp="1" noRot="1" noChangeAspect="1"/>
-          </p:cNvSpPr>
-          <p:nvPr>
-            <p:ph type="sldImg" idx="2"/>
-          </p:nvPr>
-        </p:nvSpPr>
-        <p:spPr>
-          <a:xfrm>
             <a:off x="1143000" y="685800"/>
             <a:ext cx="4572000" cy="3429000"/>
           </a:xfrm>
@@ -1336,7 +1231,7 @@
   </p:clrMapOvr>
   <p:extLst>
     <p:ext uri="{DCECCB84-F9BA-43D5-87BE-67443E8EF086}">
-      <p15:sldGuideLst xmlns="" xmlns:mc="http://schemas.openxmlformats.org/markup-compatibility/2006" xmlns:mv="urn:schemas-microsoft-com:mac:vml" xmlns:c="http://schemas.openxmlformats.org/drawingml/2006/chart" xmlns:dgm="http://schemas.openxmlformats.org/drawingml/2006/diagram" xmlns:o="urn:schemas-microsoft-com:office:office" xmlns:v="urn:schemas-microsoft-com:vml" xmlns:pvml="urn:schemas-microsoft-com:office:powerpoint" xmlns:com="http://schemas.openxmlformats.org/drawingml/2006/compatibility" xmlns:p14="http://schemas.microsoft.com/office/powerpoint/2010/main" xmlns:p15="http://schemas.microsoft.com/office/powerpoint/2012/main">
+      <p15:sldGuideLst xmlns:p15="http://schemas.microsoft.com/office/powerpoint/2012/main" xmlns:p14="http://schemas.microsoft.com/office/powerpoint/2010/main" xmlns:com="http://schemas.openxmlformats.org/drawingml/2006/compatibility" xmlns:pvml="urn:schemas-microsoft-com:office:powerpoint" xmlns:v="urn:schemas-microsoft-com:vml" xmlns:o="urn:schemas-microsoft-com:office:office" xmlns:dgm="http://schemas.openxmlformats.org/drawingml/2006/diagram" xmlns:c="http://schemas.openxmlformats.org/drawingml/2006/chart" xmlns:mv="urn:schemas-microsoft-com:mac:vml" xmlns:mc="http://schemas.openxmlformats.org/markup-compatibility/2006" xmlns="">
         <p15:guide id="1" pos="2993">
           <p15:clr>
             <a:schemeClr val="accent4"/>
@@ -3890,18 +3785,24 @@
               <a:buNone/>
             </a:pPr>
             <a:r>
-              <a:rPr lang="en" sz="3000">
-                <a:highlight>
-                  <a:srgbClr val="FFFFFF"/>
-                </a:highlight>
+              <a:rPr lang="ru-RU" sz="3000" dirty="0">
                 <a:latin typeface="Montserrat ExtraBold"/>
                 <a:ea typeface="Montserrat ExtraBold"/>
                 <a:cs typeface="Montserrat ExtraBold"/>
                 <a:sym typeface="Montserrat ExtraBold"/>
               </a:rPr>
-              <a:t>Шаблон</a:t>
-            </a:r>
-            <a:endParaRPr sz="3000">
+              <a:t>П</a:t>
+            </a:r>
+            <a:r>
+              <a:rPr lang="ru-RU" sz="3000" dirty="0" smtClean="0">
+                <a:latin typeface="Montserrat ExtraBold"/>
+                <a:ea typeface="Montserrat ExtraBold"/>
+                <a:cs typeface="Montserrat ExtraBold"/>
+                <a:sym typeface="Montserrat ExtraBold"/>
+              </a:rPr>
+              <a:t>итч</a:t>
+            </a:r>
+            <a:endParaRPr sz="3000" dirty="0">
               <a:latin typeface="Montserrat ExtraBold"/>
               <a:ea typeface="Montserrat ExtraBold"/>
               <a:cs typeface="Montserrat ExtraBold"/>
@@ -4396,8 +4297,8 @@
         </p:nvSpPr>
         <p:spPr>
           <a:xfrm>
-            <a:off x="367325" y="1209167"/>
-            <a:ext cx="7376700" cy="4448800"/>
+            <a:off x="367325" y="1209168"/>
+            <a:ext cx="7376700" cy="2654384"/>
           </a:xfrm>
           <a:prstGeom prst="rect">
             <a:avLst/>
@@ -4431,7 +4332,7 @@
               <a:buChar char="●"/>
             </a:pPr>
             <a:r>
-              <a:rPr lang="en" sz="2400" b="1">
+              <a:rPr lang="en-US" sz="2400" b="1" dirty="0" smtClean="0">
                 <a:solidFill>
                   <a:schemeClr val="dk1"/>
                 </a:solidFill>
@@ -4443,9 +4344,9 @@
                 <a:cs typeface="Montserrat"/>
                 <a:sym typeface="Montserrat"/>
               </a:rPr>
-              <a:t>Название проекта.</a:t>
-            </a:r>
-            <a:endParaRPr sz="2400" b="1">
+              <a:t>Web browser</a:t>
+            </a:r>
+            <a:endParaRPr sz="2400" b="1" dirty="0">
               <a:solidFill>
                 <a:schemeClr val="dk1"/>
               </a:solidFill>
@@ -4477,7 +4378,7 @@
               <a:buChar char="●"/>
             </a:pPr>
             <a:r>
-              <a:rPr lang="en" sz="2400" b="1">
+              <a:rPr lang="ru-RU" sz="2400" b="1" dirty="0" smtClean="0">
                 <a:solidFill>
                   <a:schemeClr val="dk1"/>
                 </a:solidFill>
@@ -4489,10 +4390,10 @@
                 <a:cs typeface="Montserrat"/>
                 <a:sym typeface="Montserrat"/>
               </a:rPr>
-              <a:t>Описание проекта</a:t>
-            </a:r>
-            <a:r>
-              <a:rPr lang="en" sz="2400">
+              <a:t>Ключевые особенности проекта</a:t>
+            </a:r>
+            <a:r>
+              <a:rPr lang="en" sz="2400" dirty="0" smtClean="0">
                 <a:solidFill>
                   <a:schemeClr val="dk1"/>
                 </a:solidFill>
@@ -4504,9 +4405,135 @@
                 <a:cs typeface="Montserrat"/>
                 <a:sym typeface="Montserrat"/>
               </a:rPr>
-              <a:t>: для чего создан проект, что позволяет делать.</a:t>
-            </a:r>
-            <a:endParaRPr sz="2400">
+              <a:t>:</a:t>
+            </a:r>
+            <a:r>
+              <a:rPr lang="ru-RU" sz="2400" dirty="0" smtClean="0">
+                <a:solidFill>
+                  <a:schemeClr val="dk1"/>
+                </a:solidFill>
+                <a:highlight>
+                  <a:srgbClr val="FFFFFF"/>
+                </a:highlight>
+                <a:latin typeface="Montserrat"/>
+                <a:ea typeface="Montserrat"/>
+                <a:cs typeface="Montserrat"/>
+                <a:sym typeface="Montserrat"/>
+              </a:rPr>
+              <a:t/>
+            </a:r>
+            <a:br>
+              <a:rPr lang="ru-RU" sz="2400" dirty="0" smtClean="0">
+                <a:solidFill>
+                  <a:schemeClr val="dk1"/>
+                </a:solidFill>
+                <a:highlight>
+                  <a:srgbClr val="FFFFFF"/>
+                </a:highlight>
+                <a:latin typeface="Montserrat"/>
+                <a:ea typeface="Montserrat"/>
+                <a:cs typeface="Montserrat"/>
+                <a:sym typeface="Montserrat"/>
+              </a:rPr>
+            </a:br>
+            <a:r>
+              <a:rPr lang="ru-RU" sz="2400" dirty="0" smtClean="0">
+                <a:solidFill>
+                  <a:schemeClr val="dk1"/>
+                </a:solidFill>
+                <a:highlight>
+                  <a:srgbClr val="FFFFFF"/>
+                </a:highlight>
+                <a:latin typeface="Montserrat"/>
+                <a:ea typeface="Montserrat"/>
+                <a:cs typeface="Montserrat"/>
+                <a:sym typeface="Montserrat"/>
+              </a:rPr>
+              <a:t>1) Открытый исходный код</a:t>
+            </a:r>
+          </a:p>
+          <a:p>
+            <a:pPr marL="1371600" lvl="2" indent="-381000">
+              <a:lnSpc>
+                <a:spcPct val="130000"/>
+              </a:lnSpc>
+              <a:buClr>
+                <a:schemeClr val="dk1"/>
+              </a:buClr>
+              <a:buSzPts val="2400"/>
+              <a:buFont typeface="Montserrat"/>
+              <a:buChar char="●"/>
+            </a:pPr>
+            <a:r>
+              <a:rPr lang="ru-RU" sz="2400" dirty="0" smtClean="0">
+                <a:solidFill>
+                  <a:schemeClr val="dk1"/>
+                </a:solidFill>
+                <a:highlight>
+                  <a:srgbClr val="FFFFFF"/>
+                </a:highlight>
+                <a:latin typeface="Montserrat"/>
+                <a:ea typeface="Montserrat"/>
+                <a:cs typeface="Montserrat"/>
+                <a:sym typeface="Montserrat"/>
+              </a:rPr>
+              <a:t>Гибкость для заказчика</a:t>
+            </a:r>
+          </a:p>
+          <a:p>
+            <a:pPr marL="1371600" lvl="2" indent="-381000">
+              <a:lnSpc>
+                <a:spcPct val="130000"/>
+              </a:lnSpc>
+              <a:buClr>
+                <a:schemeClr val="dk1"/>
+              </a:buClr>
+              <a:buSzPts val="2400"/>
+              <a:buFont typeface="Montserrat"/>
+              <a:buChar char="●"/>
+            </a:pPr>
+            <a:r>
+              <a:rPr lang="ru-RU" sz="2400" dirty="0" smtClean="0">
+                <a:solidFill>
+                  <a:schemeClr val="dk1"/>
+                </a:solidFill>
+                <a:highlight>
+                  <a:srgbClr val="FFFFFF"/>
+                </a:highlight>
+                <a:latin typeface="Montserrat"/>
+                <a:ea typeface="Montserrat"/>
+                <a:cs typeface="Montserrat"/>
+                <a:sym typeface="Montserrat"/>
+              </a:rPr>
+              <a:t>Безопасность</a:t>
+            </a:r>
+          </a:p>
+          <a:p>
+            <a:pPr marL="76200" lvl="0">
+              <a:lnSpc>
+                <a:spcPct val="130000"/>
+              </a:lnSpc>
+              <a:buClr>
+                <a:schemeClr val="dk1"/>
+              </a:buClr>
+              <a:buSzPts val="2400"/>
+            </a:pPr>
+            <a:r>
+              <a:rPr lang="ru-RU" sz="2400" dirty="0" smtClean="0">
+                <a:solidFill>
+                  <a:schemeClr val="dk1"/>
+                </a:solidFill>
+                <a:highlight>
+                  <a:srgbClr val="FFFFFF"/>
+                </a:highlight>
+                <a:latin typeface="Montserrat"/>
+                <a:ea typeface="Montserrat"/>
+                <a:cs typeface="Montserrat"/>
+                <a:sym typeface="Montserrat"/>
+              </a:rPr>
+              <a:t>     2) Возможность обратной связи с   аудиторией</a:t>
+            </a:r>
+            <a:endParaRPr lang="ru-RU" sz="2400" dirty="0">
               <a:solidFill>
                 <a:schemeClr val="dk1"/>
               </a:solidFill>
@@ -4520,25 +4547,17 @@
             </a:endParaRPr>
           </a:p>
           <a:p>
-            <a:pPr marL="457200" marR="0" lvl="0" indent="-381000" algn="l" rtl="0">
+            <a:pPr marL="76200" lvl="0">
               <a:lnSpc>
                 <a:spcPct val="130000"/>
               </a:lnSpc>
-              <a:spcBef>
-                <a:spcPts val="0"/>
-              </a:spcBef>
-              <a:spcAft>
-                <a:spcPts val="0"/>
-              </a:spcAft>
               <a:buClr>
                 <a:schemeClr val="dk1"/>
               </a:buClr>
               <a:buSzPts val="2400"/>
-              <a:buFont typeface="Montserrat"/>
-              <a:buChar char="●"/>
             </a:pPr>
             <a:r>
-              <a:rPr lang="en" sz="2400" b="1">
+              <a:rPr lang="ru-RU" sz="2400" dirty="0" smtClean="0">
                 <a:solidFill>
                   <a:schemeClr val="dk1"/>
                 </a:solidFill>
@@ -4550,10 +4569,10 @@
                 <a:cs typeface="Montserrat"/>
                 <a:sym typeface="Montserrat"/>
               </a:rPr>
-              <a:t>Демонстрация проекта: </a:t>
-            </a:r>
-            <a:r>
-              <a:rPr lang="en" sz="2400">
+              <a:t>     3) Возможность </a:t>
+            </a:r>
+            <a:r>
+              <a:rPr lang="ru-RU" sz="2400" dirty="0" err="1" smtClean="0">
                 <a:solidFill>
                   <a:schemeClr val="dk1"/>
                 </a:solidFill>
@@ -4565,641 +4584,10 @@
                 <a:cs typeface="Montserrat"/>
                 <a:sym typeface="Montserrat"/>
               </a:rPr>
-              <a:t>покажите и прокомментируйте возможности вашего приложения</a:t>
-            </a:r>
-            <a:endParaRPr sz="2400" i="1">
-              <a:solidFill>
-                <a:srgbClr val="222222"/>
-              </a:solidFill>
-              <a:highlight>
-                <a:srgbClr val="FFFFFF"/>
-              </a:highlight>
-              <a:latin typeface="Montserrat"/>
-              <a:ea typeface="Montserrat"/>
-              <a:cs typeface="Montserrat"/>
-              <a:sym typeface="Montserrat"/>
-            </a:endParaRPr>
-          </a:p>
-        </p:txBody>
-      </p:sp>
-    </p:spTree>
-    <p:extLst>
-      <p:ext uri="{BB962C8B-B14F-4D97-AF65-F5344CB8AC3E}">
-        <p14:creationId xmlns:p14="http://schemas.microsoft.com/office/powerpoint/2010/main" val="191589840"/>
-      </p:ext>
-    </p:extLst>
-  </p:cSld>
-  <p:clrMapOvr>
-    <a:masterClrMapping/>
-  </p:clrMapOvr>
-</p:sld>
-</file>
-
-<file path=ppt/slides/slide2.xml><?xml version="1.0" encoding="utf-8"?>
-<p:sld xmlns:a="http://schemas.openxmlformats.org/drawingml/2006/main" xmlns:r="http://schemas.openxmlformats.org/officeDocument/2006/relationships" xmlns:p="http://schemas.openxmlformats.org/presentationml/2006/main">
-  <p:cSld>
-    <p:spTree>
-      <p:nvGrpSpPr>
-        <p:cNvPr id="1" name="Shape 257"/>
-        <p:cNvGrpSpPr/>
-        <p:nvPr/>
-      </p:nvGrpSpPr>
-      <p:grpSpPr>
-        <a:xfrm>
-          <a:off x="0" y="0"/>
-          <a:ext cx="0" cy="0"/>
-          <a:chOff x="0" y="0"/>
-          <a:chExt cx="0" cy="0"/>
-        </a:xfrm>
-      </p:grpSpPr>
-      <p:sp>
-        <p:nvSpPr>
-          <p:cNvPr id="258" name="Google Shape;258;p37"/>
-          <p:cNvSpPr txBox="1"/>
-          <p:nvPr/>
-        </p:nvSpPr>
-        <p:spPr>
-          <a:xfrm>
-            <a:off x="360000" y="410533"/>
-            <a:ext cx="7065300" cy="1134400"/>
-          </a:xfrm>
-          <a:prstGeom prst="rect">
-            <a:avLst/>
-          </a:prstGeom>
-          <a:noFill/>
-          <a:ln>
-            <a:noFill/>
-          </a:ln>
-        </p:spPr>
-        <p:txBody>
-          <a:bodyPr spcFirstLastPara="1" wrap="square" lIns="0" tIns="0" rIns="0" bIns="0" anchor="t" anchorCtr="0">
-            <a:noAutofit/>
-          </a:bodyPr>
-          <a:lstStyle/>
-          <a:p>
-            <a:pPr marL="0" lvl="0" indent="0" algn="l" rtl="0">
-              <a:spcBef>
-                <a:spcPts val="0"/>
-              </a:spcBef>
-              <a:spcAft>
-                <a:spcPts val="0"/>
-              </a:spcAft>
-              <a:buClr>
-                <a:srgbClr val="000000"/>
-              </a:buClr>
-              <a:buSzPts val="1100"/>
-              <a:buFont typeface="Arial"/>
-              <a:buNone/>
-            </a:pPr>
-            <a:r>
-              <a:rPr lang="ru-RU" sz="3000" dirty="0">
-                <a:latin typeface="Montserrat ExtraBold"/>
-                <a:ea typeface="Montserrat ExtraBold"/>
-                <a:cs typeface="Montserrat ExtraBold"/>
-                <a:sym typeface="Montserrat ExtraBold"/>
-              </a:rPr>
-              <a:t>П</a:t>
-            </a:r>
-            <a:r>
-              <a:rPr lang="ru-RU" sz="3000" dirty="0" smtClean="0">
-                <a:latin typeface="Montserrat ExtraBold"/>
-                <a:ea typeface="Montserrat ExtraBold"/>
-                <a:cs typeface="Montserrat ExtraBold"/>
-                <a:sym typeface="Montserrat ExtraBold"/>
-              </a:rPr>
-              <a:t>итч</a:t>
-            </a:r>
-            <a:endParaRPr sz="3000" dirty="0">
-              <a:latin typeface="Montserrat ExtraBold"/>
-              <a:ea typeface="Montserrat ExtraBold"/>
-              <a:cs typeface="Montserrat ExtraBold"/>
-              <a:sym typeface="Montserrat ExtraBold"/>
-            </a:endParaRPr>
-          </a:p>
-        </p:txBody>
-      </p:sp>
-      <p:grpSp>
-        <p:nvGrpSpPr>
-          <p:cNvPr id="259" name="Google Shape;259;p37"/>
-          <p:cNvGrpSpPr/>
-          <p:nvPr/>
-        </p:nvGrpSpPr>
-        <p:grpSpPr>
-          <a:xfrm>
-            <a:off x="7814798" y="233553"/>
-            <a:ext cx="1162236" cy="6398433"/>
-            <a:chOff x="4572000" y="241250"/>
-            <a:chExt cx="1263300" cy="4798825"/>
-          </a:xfrm>
-        </p:grpSpPr>
-        <p:sp>
-          <p:nvSpPr>
-            <p:cNvPr id="260" name="Google Shape;260;p37"/>
-            <p:cNvSpPr/>
-            <p:nvPr/>
-          </p:nvSpPr>
-          <p:spPr>
-            <a:xfrm>
-              <a:off x="4572000" y="241250"/>
-              <a:ext cx="1263300" cy="4583100"/>
-            </a:xfrm>
-            <a:prstGeom prst="roundRect">
-              <a:avLst>
-                <a:gd name="adj" fmla="val 8055"/>
-              </a:avLst>
-            </a:prstGeom>
-            <a:solidFill>
-              <a:schemeClr val="accent5"/>
-            </a:solidFill>
-            <a:ln>
-              <a:noFill/>
-            </a:ln>
-          </p:spPr>
-          <p:txBody>
-            <a:bodyPr spcFirstLastPara="1" wrap="square" lIns="91425" tIns="91425" rIns="91425" bIns="91425" anchor="ctr" anchorCtr="0">
-              <a:noAutofit/>
-            </a:bodyPr>
-            <a:lstStyle/>
-            <a:p>
-              <a:pPr marL="0" lvl="0" indent="0" algn="l" rtl="0">
-                <a:spcBef>
-                  <a:spcPts val="0"/>
-                </a:spcBef>
-                <a:spcAft>
-                  <a:spcPts val="0"/>
-                </a:spcAft>
-                <a:buNone/>
-              </a:pPr>
-              <a:endParaRPr/>
-            </a:p>
-          </p:txBody>
-        </p:sp>
-        <p:sp>
-          <p:nvSpPr>
-            <p:cNvPr id="261" name="Google Shape;261;p37"/>
-            <p:cNvSpPr/>
-            <p:nvPr/>
-          </p:nvSpPr>
-          <p:spPr>
-            <a:xfrm>
-              <a:off x="4684800" y="4700200"/>
-              <a:ext cx="657275" cy="339875"/>
-            </a:xfrm>
-            <a:prstGeom prst="flowChartMerge">
-              <a:avLst/>
-            </a:prstGeom>
-            <a:solidFill>
-              <a:schemeClr val="accent5"/>
-            </a:solidFill>
-            <a:ln>
-              <a:noFill/>
-            </a:ln>
-          </p:spPr>
-          <p:txBody>
-            <a:bodyPr spcFirstLastPara="1" wrap="square" lIns="91425" tIns="91425" rIns="91425" bIns="91425" anchor="ctr" anchorCtr="0">
-              <a:noAutofit/>
-            </a:bodyPr>
-            <a:lstStyle/>
-            <a:p>
-              <a:pPr marL="0" lvl="0" indent="0" algn="l" rtl="0">
-                <a:spcBef>
-                  <a:spcPts val="0"/>
-                </a:spcBef>
-                <a:spcAft>
-                  <a:spcPts val="0"/>
-                </a:spcAft>
-                <a:buNone/>
-              </a:pPr>
-              <a:endParaRPr/>
-            </a:p>
-          </p:txBody>
-        </p:sp>
-      </p:grpSp>
-      <p:sp>
-        <p:nvSpPr>
-          <p:cNvPr id="262" name="Google Shape;262;p37"/>
-          <p:cNvSpPr txBox="1"/>
-          <p:nvPr/>
-        </p:nvSpPr>
-        <p:spPr>
-          <a:xfrm rot="-5400000">
-            <a:off x="5986900" y="3642867"/>
-            <a:ext cx="4316800" cy="611400"/>
-          </a:xfrm>
-          <a:prstGeom prst="rect">
-            <a:avLst/>
-          </a:prstGeom>
-          <a:noFill/>
-          <a:ln>
-            <a:noFill/>
-          </a:ln>
-        </p:spPr>
-        <p:txBody>
-          <a:bodyPr spcFirstLastPara="1" wrap="square" lIns="91425" tIns="91425" rIns="91425" bIns="91425" anchor="t" anchorCtr="0">
-            <a:noAutofit/>
-          </a:bodyPr>
-          <a:lstStyle/>
-          <a:p>
-            <a:pPr marL="0" lvl="0" indent="0" algn="l" rtl="0">
-              <a:spcBef>
-                <a:spcPts val="0"/>
-              </a:spcBef>
-              <a:spcAft>
-                <a:spcPts val="0"/>
-              </a:spcAft>
-              <a:buClr>
-                <a:schemeClr val="dk1"/>
-              </a:buClr>
-              <a:buSzPts val="1100"/>
-              <a:buFont typeface="Arial"/>
-              <a:buNone/>
-            </a:pPr>
-            <a:r>
-              <a:rPr lang="en" sz="1800" b="1">
-                <a:solidFill>
-                  <a:schemeClr val="lt1"/>
-                </a:solidFill>
-                <a:latin typeface="Montserrat"/>
-                <a:ea typeface="Montserrat"/>
-                <a:cs typeface="Montserrat"/>
-                <a:sym typeface="Montserrat"/>
-              </a:rPr>
-              <a:t>Составление</a:t>
-            </a:r>
-            <a:br>
-              <a:rPr lang="en" sz="1800" b="1">
-                <a:solidFill>
-                  <a:schemeClr val="lt1"/>
-                </a:solidFill>
-                <a:latin typeface="Montserrat"/>
-                <a:ea typeface="Montserrat"/>
-                <a:cs typeface="Montserrat"/>
-                <a:sym typeface="Montserrat"/>
-              </a:rPr>
-            </a:br>
-            <a:r>
-              <a:rPr lang="en" sz="1800" b="1">
-                <a:solidFill>
-                  <a:schemeClr val="lt1"/>
-                </a:solidFill>
-                <a:latin typeface="Montserrat"/>
-                <a:ea typeface="Montserrat"/>
-                <a:cs typeface="Montserrat"/>
-                <a:sym typeface="Montserrat"/>
-              </a:rPr>
-              <a:t>питча</a:t>
-            </a:r>
-            <a:endParaRPr sz="1800" b="1">
-              <a:solidFill>
-                <a:srgbClr val="FFFFFF"/>
-              </a:solidFill>
-              <a:latin typeface="Montserrat"/>
-              <a:ea typeface="Montserrat"/>
-              <a:cs typeface="Montserrat"/>
-              <a:sym typeface="Montserrat"/>
-            </a:endParaRPr>
-          </a:p>
-        </p:txBody>
-      </p:sp>
-      <p:pic>
-        <p:nvPicPr>
-          <p:cNvPr id="263" name="Google Shape;263;p37"/>
-          <p:cNvPicPr preferRelativeResize="0"/>
-          <p:nvPr/>
-        </p:nvPicPr>
-        <p:blipFill>
-          <a:blip r:embed="rId3">
-            <a:alphaModFix/>
-          </a:blip>
-          <a:stretch>
-            <a:fillRect/>
-          </a:stretch>
-        </p:blipFill>
-        <p:spPr>
-          <a:xfrm>
-            <a:off x="8678051" y="3355566"/>
-            <a:ext cx="211887" cy="371233"/>
-          </a:xfrm>
-          <a:prstGeom prst="rect">
-            <a:avLst/>
-          </a:prstGeom>
-          <a:noFill/>
-          <a:ln>
-            <a:noFill/>
-          </a:ln>
-        </p:spPr>
-      </p:pic>
-      <p:sp>
-        <p:nvSpPr>
-          <p:cNvPr id="264" name="Google Shape;264;p37"/>
-          <p:cNvSpPr/>
-          <p:nvPr/>
-        </p:nvSpPr>
-        <p:spPr>
-          <a:xfrm>
-            <a:off x="8784000" y="3837151"/>
-            <a:ext cx="192900" cy="26400"/>
-          </a:xfrm>
-          <a:prstGeom prst="rect">
-            <a:avLst/>
-          </a:prstGeom>
-          <a:solidFill>
-            <a:schemeClr val="lt2"/>
-          </a:solidFill>
-          <a:ln>
-            <a:noFill/>
-          </a:ln>
-        </p:spPr>
-        <p:txBody>
-          <a:bodyPr spcFirstLastPara="1" wrap="square" lIns="91425" tIns="91425" rIns="91425" bIns="91425" anchor="ctr" anchorCtr="0">
-            <a:noAutofit/>
-          </a:bodyPr>
-          <a:lstStyle/>
-          <a:p>
-            <a:pPr marL="0" lvl="0" indent="0" algn="l" rtl="0">
-              <a:spcBef>
-                <a:spcPts val="0"/>
-              </a:spcBef>
-              <a:spcAft>
-                <a:spcPts val="0"/>
-              </a:spcAft>
-              <a:buNone/>
-            </a:pPr>
-            <a:endParaRPr/>
-          </a:p>
-        </p:txBody>
-      </p:sp>
-      <p:sp>
-        <p:nvSpPr>
-          <p:cNvPr id="265" name="Google Shape;265;p37"/>
-          <p:cNvSpPr/>
-          <p:nvPr/>
-        </p:nvSpPr>
-        <p:spPr>
-          <a:xfrm>
-            <a:off x="8784000" y="4258517"/>
-            <a:ext cx="192900" cy="26400"/>
-          </a:xfrm>
-          <a:prstGeom prst="rect">
-            <a:avLst/>
-          </a:prstGeom>
-          <a:solidFill>
-            <a:schemeClr val="lt2"/>
-          </a:solidFill>
-          <a:ln>
-            <a:noFill/>
-          </a:ln>
-        </p:spPr>
-        <p:txBody>
-          <a:bodyPr spcFirstLastPara="1" wrap="square" lIns="91425" tIns="91425" rIns="91425" bIns="91425" anchor="ctr" anchorCtr="0">
-            <a:noAutofit/>
-          </a:bodyPr>
-          <a:lstStyle/>
-          <a:p>
-            <a:pPr marL="0" lvl="0" indent="0" algn="l" rtl="0">
-              <a:spcBef>
-                <a:spcPts val="0"/>
-              </a:spcBef>
-              <a:spcAft>
-                <a:spcPts val="0"/>
-              </a:spcAft>
-              <a:buNone/>
-            </a:pPr>
-            <a:endParaRPr/>
-          </a:p>
-        </p:txBody>
-      </p:sp>
-      <p:sp>
-        <p:nvSpPr>
-          <p:cNvPr id="266" name="Google Shape;266;p37"/>
-          <p:cNvSpPr/>
-          <p:nvPr/>
-        </p:nvSpPr>
-        <p:spPr>
-          <a:xfrm>
-            <a:off x="8784000" y="4679884"/>
-            <a:ext cx="192900" cy="26400"/>
-          </a:xfrm>
-          <a:prstGeom prst="rect">
-            <a:avLst/>
-          </a:prstGeom>
-          <a:solidFill>
-            <a:schemeClr val="lt2"/>
-          </a:solidFill>
-          <a:ln>
-            <a:noFill/>
-          </a:ln>
-        </p:spPr>
-        <p:txBody>
-          <a:bodyPr spcFirstLastPara="1" wrap="square" lIns="91425" tIns="91425" rIns="91425" bIns="91425" anchor="ctr" anchorCtr="0">
-            <a:noAutofit/>
-          </a:bodyPr>
-          <a:lstStyle/>
-          <a:p>
-            <a:pPr marL="0" lvl="0" indent="0" algn="l" rtl="0">
-              <a:spcBef>
-                <a:spcPts val="0"/>
-              </a:spcBef>
-              <a:spcAft>
-                <a:spcPts val="0"/>
-              </a:spcAft>
-              <a:buNone/>
-            </a:pPr>
-            <a:endParaRPr/>
-          </a:p>
-        </p:txBody>
-      </p:sp>
-      <p:sp>
-        <p:nvSpPr>
-          <p:cNvPr id="267" name="Google Shape;267;p37"/>
-          <p:cNvSpPr/>
-          <p:nvPr/>
-        </p:nvSpPr>
-        <p:spPr>
-          <a:xfrm>
-            <a:off x="8784075" y="5101251"/>
-            <a:ext cx="192900" cy="26400"/>
-          </a:xfrm>
-          <a:prstGeom prst="rect">
-            <a:avLst/>
-          </a:prstGeom>
-          <a:solidFill>
-            <a:schemeClr val="lt2"/>
-          </a:solidFill>
-          <a:ln>
-            <a:noFill/>
-          </a:ln>
-        </p:spPr>
-        <p:txBody>
-          <a:bodyPr spcFirstLastPara="1" wrap="square" lIns="91425" tIns="91425" rIns="91425" bIns="91425" anchor="ctr" anchorCtr="0">
-            <a:noAutofit/>
-          </a:bodyPr>
-          <a:lstStyle/>
-          <a:p>
-            <a:pPr marL="0" lvl="0" indent="0" algn="l" rtl="0">
-              <a:spcBef>
-                <a:spcPts val="0"/>
-              </a:spcBef>
-              <a:spcAft>
-                <a:spcPts val="0"/>
-              </a:spcAft>
-              <a:buNone/>
-            </a:pPr>
-            <a:endParaRPr/>
-          </a:p>
-        </p:txBody>
-      </p:sp>
-      <p:sp>
-        <p:nvSpPr>
-          <p:cNvPr id="268" name="Google Shape;268;p37"/>
-          <p:cNvSpPr/>
-          <p:nvPr/>
-        </p:nvSpPr>
-        <p:spPr>
-          <a:xfrm>
-            <a:off x="8784075" y="5522617"/>
-            <a:ext cx="192900" cy="26400"/>
-          </a:xfrm>
-          <a:prstGeom prst="rect">
-            <a:avLst/>
-          </a:prstGeom>
-          <a:solidFill>
-            <a:schemeClr val="lt2"/>
-          </a:solidFill>
-          <a:ln>
-            <a:noFill/>
-          </a:ln>
-        </p:spPr>
-        <p:txBody>
-          <a:bodyPr spcFirstLastPara="1" wrap="square" lIns="91425" tIns="91425" rIns="91425" bIns="91425" anchor="ctr" anchorCtr="0">
-            <a:noAutofit/>
-          </a:bodyPr>
-          <a:lstStyle/>
-          <a:p>
-            <a:pPr marL="0" lvl="0" indent="0" algn="l" rtl="0">
-              <a:spcBef>
-                <a:spcPts val="0"/>
-              </a:spcBef>
-              <a:spcAft>
-                <a:spcPts val="0"/>
-              </a:spcAft>
-              <a:buNone/>
-            </a:pPr>
-            <a:endParaRPr/>
-          </a:p>
-        </p:txBody>
-      </p:sp>
-      <p:sp>
-        <p:nvSpPr>
-          <p:cNvPr id="269" name="Google Shape;269;p37"/>
-          <p:cNvSpPr/>
-          <p:nvPr/>
-        </p:nvSpPr>
-        <p:spPr>
-          <a:xfrm>
-            <a:off x="8784075" y="5943984"/>
-            <a:ext cx="192900" cy="26400"/>
-          </a:xfrm>
-          <a:prstGeom prst="rect">
-            <a:avLst/>
-          </a:prstGeom>
-          <a:solidFill>
-            <a:schemeClr val="lt2"/>
-          </a:solidFill>
-          <a:ln>
-            <a:noFill/>
-          </a:ln>
-        </p:spPr>
-        <p:txBody>
-          <a:bodyPr spcFirstLastPara="1" wrap="square" lIns="91425" tIns="91425" rIns="91425" bIns="91425" anchor="ctr" anchorCtr="0">
-            <a:noAutofit/>
-          </a:bodyPr>
-          <a:lstStyle/>
-          <a:p>
-            <a:pPr marL="0" lvl="0" indent="0" algn="l" rtl="0">
-              <a:spcBef>
-                <a:spcPts val="0"/>
-              </a:spcBef>
-              <a:spcAft>
-                <a:spcPts val="0"/>
-              </a:spcAft>
-              <a:buNone/>
-            </a:pPr>
-            <a:endParaRPr/>
-          </a:p>
-        </p:txBody>
-      </p:sp>
-      <p:pic>
-        <p:nvPicPr>
-          <p:cNvPr id="270" name="Google Shape;270;p37"/>
-          <p:cNvPicPr preferRelativeResize="0"/>
-          <p:nvPr/>
-        </p:nvPicPr>
-        <p:blipFill rotWithShape="1">
-          <a:blip r:embed="rId4">
-            <a:alphaModFix/>
-          </a:blip>
-          <a:srcRect/>
-          <a:stretch/>
-        </p:blipFill>
-        <p:spPr>
-          <a:xfrm>
-            <a:off x="7870454" y="312034"/>
-            <a:ext cx="1050920" cy="1326100"/>
-          </a:xfrm>
-          <a:prstGeom prst="rect">
-            <a:avLst/>
-          </a:prstGeom>
-          <a:noFill/>
-          <a:ln>
-            <a:noFill/>
-          </a:ln>
-        </p:spPr>
-      </p:pic>
-      <p:sp>
-        <p:nvSpPr>
-          <p:cNvPr id="271" name="Google Shape;271;p37"/>
-          <p:cNvSpPr txBox="1"/>
-          <p:nvPr/>
-        </p:nvSpPr>
-        <p:spPr>
-          <a:xfrm>
-            <a:off x="367325" y="1209167"/>
-            <a:ext cx="7376700" cy="4448800"/>
-          </a:xfrm>
-          <a:prstGeom prst="rect">
-            <a:avLst/>
-          </a:prstGeom>
-          <a:noFill/>
-          <a:ln>
-            <a:noFill/>
-          </a:ln>
-        </p:spPr>
-        <p:txBody>
-          <a:bodyPr spcFirstLastPara="1" wrap="square" lIns="91425" tIns="91425" rIns="91425" bIns="91425" anchor="t" anchorCtr="0">
-            <a:noAutofit/>
-          </a:bodyPr>
-          <a:lstStyle/>
-          <a:p>
-            <a:pPr marL="457200" marR="0" lvl="0" indent="-381000" algn="l" rtl="0">
-              <a:lnSpc>
-                <a:spcPct val="130000"/>
-              </a:lnSpc>
-              <a:spcBef>
-                <a:spcPts val="0"/>
-              </a:spcBef>
-              <a:spcAft>
-                <a:spcPts val="0"/>
-              </a:spcAft>
-              <a:buClr>
-                <a:schemeClr val="dk1"/>
-              </a:buClr>
-              <a:buSzPts val="2400"/>
-              <a:buFont typeface="Montserrat"/>
-              <a:buChar char="●"/>
-            </a:pPr>
-            <a:r>
-              <a:rPr lang="en" sz="2400" b="1">
+              <a:t>кастомной</a:t>
+            </a:r>
+            <a:r>
+              <a:rPr lang="ru-RU" sz="2400" dirty="0" smtClean="0">
                 <a:solidFill>
                   <a:schemeClr val="dk1"/>
                 </a:solidFill>
@@ -5211,9 +4599,20 @@
                 <a:cs typeface="Montserrat"/>
                 <a:sym typeface="Montserrat"/>
               </a:rPr>
-              <a:t>Название проекта.</a:t>
-            </a:r>
-            <a:endParaRPr sz="2400" b="1">
+              <a:t> разработки</a:t>
+            </a:r>
+          </a:p>
+          <a:p>
+            <a:pPr marL="76200" lvl="0">
+              <a:lnSpc>
+                <a:spcPct val="130000"/>
+              </a:lnSpc>
+              <a:buClr>
+                <a:schemeClr val="dk1"/>
+              </a:buClr>
+              <a:buSzPts val="2400"/>
+            </a:pPr>
+            <a:endParaRPr lang="ru-RU" sz="2400" dirty="0">
               <a:solidFill>
                 <a:schemeClr val="dk1"/>
               </a:solidFill>
@@ -5227,54 +4626,16 @@
             </a:endParaRPr>
           </a:p>
           <a:p>
-            <a:pPr marL="457200" marR="0" lvl="0" indent="-381000" algn="l" rtl="0">
+            <a:pPr marL="76200" lvl="0">
               <a:lnSpc>
                 <a:spcPct val="130000"/>
               </a:lnSpc>
-              <a:spcBef>
-                <a:spcPts val="0"/>
-              </a:spcBef>
-              <a:spcAft>
-                <a:spcPts val="0"/>
-              </a:spcAft>
               <a:buClr>
                 <a:schemeClr val="dk1"/>
               </a:buClr>
               <a:buSzPts val="2400"/>
-              <a:buFont typeface="Montserrat"/>
-              <a:buChar char="●"/>
             </a:pPr>
-            <a:r>
-              <a:rPr lang="en" sz="2400" b="1">
-                <a:solidFill>
-                  <a:schemeClr val="dk1"/>
-                </a:solidFill>
-                <a:highlight>
-                  <a:srgbClr val="FFFFFF"/>
-                </a:highlight>
-                <a:latin typeface="Montserrat"/>
-                <a:ea typeface="Montserrat"/>
-                <a:cs typeface="Montserrat"/>
-                <a:sym typeface="Montserrat"/>
-              </a:rPr>
-              <a:t>Описание проекта</a:t>
-            </a:r>
-            <a:r>
-              <a:rPr lang="en" sz="2400">
-                <a:solidFill>
-                  <a:schemeClr val="dk1"/>
-                </a:solidFill>
-                <a:highlight>
-                  <a:srgbClr val="FFFFFF"/>
-                </a:highlight>
-                <a:latin typeface="Montserrat"/>
-                <a:ea typeface="Montserrat"/>
-                <a:cs typeface="Montserrat"/>
-                <a:sym typeface="Montserrat"/>
-              </a:rPr>
-              <a:t>: для чего создан проект, что позволяет делать.</a:t>
-            </a:r>
-            <a:endParaRPr sz="2400">
+            <a:endParaRPr lang="ru-RU" sz="2400" dirty="0" smtClean="0">
               <a:solidFill>
                 <a:schemeClr val="dk1"/>
               </a:solidFill>
@@ -5288,16 +4649,56 @@
             </a:endParaRPr>
           </a:p>
           <a:p>
-            <a:pPr marL="457200" marR="0" lvl="0" indent="-381000" algn="l" rtl="0">
+            <a:pPr marL="990600" lvl="2">
               <a:lnSpc>
                 <a:spcPct val="130000"/>
               </a:lnSpc>
-              <a:spcBef>
-                <a:spcPts val="0"/>
-              </a:spcBef>
-              <a:spcAft>
-                <a:spcPts val="0"/>
-              </a:spcAft>
+              <a:buClr>
+                <a:schemeClr val="dk1"/>
+              </a:buClr>
+              <a:buSzPts val="2400"/>
+            </a:pPr>
+            <a:endParaRPr lang="ru-RU" sz="2400" dirty="0" smtClean="0">
+              <a:solidFill>
+                <a:schemeClr val="dk1"/>
+              </a:solidFill>
+              <a:highlight>
+                <a:srgbClr val="FFFFFF"/>
+              </a:highlight>
+              <a:latin typeface="Montserrat"/>
+              <a:ea typeface="Montserrat"/>
+              <a:cs typeface="Montserrat"/>
+              <a:sym typeface="Montserrat"/>
+            </a:endParaRPr>
+          </a:p>
+          <a:p>
+            <a:pPr marL="990600" lvl="2">
+              <a:lnSpc>
+                <a:spcPct val="130000"/>
+              </a:lnSpc>
+              <a:buClr>
+                <a:schemeClr val="dk1"/>
+              </a:buClr>
+              <a:buSzPts val="2400"/>
+            </a:pPr>
+            <a:endParaRPr lang="ru-RU" sz="2400" dirty="0" smtClean="0">
+              <a:solidFill>
+                <a:schemeClr val="dk1"/>
+              </a:solidFill>
+              <a:highlight>
+                <a:srgbClr val="FFFFFF"/>
+              </a:highlight>
+              <a:latin typeface="Montserrat"/>
+              <a:ea typeface="Montserrat"/>
+              <a:cs typeface="Montserrat"/>
+              <a:sym typeface="Montserrat"/>
+            </a:endParaRPr>
+          </a:p>
+          <a:p>
+            <a:pPr marL="1371600" lvl="2" indent="-381000">
+              <a:lnSpc>
+                <a:spcPct val="130000"/>
+              </a:lnSpc>
               <a:buClr>
                 <a:schemeClr val="dk1"/>
               </a:buClr>
@@ -5305,39 +4706,32 @@
               <a:buFont typeface="Montserrat"/>
               <a:buChar char="●"/>
             </a:pPr>
-            <a:r>
-              <a:rPr lang="en" sz="2400" b="1">
-                <a:solidFill>
-                  <a:schemeClr val="dk1"/>
-                </a:solidFill>
-                <a:highlight>
-                  <a:srgbClr val="FFFFFF"/>
-                </a:highlight>
-                <a:latin typeface="Montserrat"/>
-                <a:ea typeface="Montserrat"/>
-                <a:cs typeface="Montserrat"/>
-                <a:sym typeface="Montserrat"/>
-              </a:rPr>
-              <a:t>Демонстрация проекта: </a:t>
-            </a:r>
-            <a:r>
-              <a:rPr lang="en" sz="2400">
-                <a:solidFill>
-                  <a:schemeClr val="dk1"/>
-                </a:solidFill>
-                <a:highlight>
-                  <a:srgbClr val="FFFFFF"/>
-                </a:highlight>
-                <a:latin typeface="Montserrat"/>
-                <a:ea typeface="Montserrat"/>
-                <a:cs typeface="Montserrat"/>
-                <a:sym typeface="Montserrat"/>
-              </a:rPr>
-              <a:t>покажите и прокомментируйте возможности вашего приложения</a:t>
-            </a:r>
-            <a:endParaRPr sz="2400" i="1">
+            <a:endParaRPr lang="ru-RU" sz="2400" dirty="0" smtClean="0">
               <a:solidFill>
-                <a:srgbClr val="222222"/>
+                <a:schemeClr val="dk1"/>
+              </a:solidFill>
+              <a:highlight>
+                <a:srgbClr val="FFFFFF"/>
+              </a:highlight>
+              <a:latin typeface="Montserrat"/>
+              <a:ea typeface="Montserrat"/>
+              <a:cs typeface="Montserrat"/>
+              <a:sym typeface="Montserrat"/>
+            </a:endParaRPr>
+          </a:p>
+          <a:p>
+            <a:pPr marL="533400" lvl="1">
+              <a:lnSpc>
+                <a:spcPct val="130000"/>
+              </a:lnSpc>
+              <a:buClr>
+                <a:schemeClr val="dk1"/>
+              </a:buClr>
+              <a:buSzPts val="2400"/>
+            </a:pPr>
+            <a:endParaRPr sz="2400" dirty="0">
+              <a:solidFill>
+                <a:schemeClr val="dk1"/>
               </a:solidFill>
               <a:highlight>
                 <a:srgbClr val="FFFFFF"/>
